--- a/BlockchainExplained.pptx
+++ b/BlockchainExplained.pptx
@@ -29,25 +29,18 @@
   <p:notesSz cx="6858000" cy="9144000"/>
   <p:embeddedFontLst>
     <p:embeddedFont>
-      <p:font typeface="Calibri" panose="020F0502020204030204" pitchFamily="34" charset="0"/>
+      <p:font typeface="Poppins" panose="020B0604020202020204" charset="0"/>
       <p:regular r:id="rId19"/>
       <p:bold r:id="rId20"/>
       <p:italic r:id="rId21"/>
       <p:boldItalic r:id="rId22"/>
     </p:embeddedFont>
     <p:embeddedFont>
-      <p:font typeface="Poppins" panose="020B0604020202020204" charset="0"/>
+      <p:font typeface="Raleway" panose="020B0604020202020204" charset="0"/>
       <p:regular r:id="rId23"/>
       <p:bold r:id="rId24"/>
       <p:italic r:id="rId25"/>
       <p:boldItalic r:id="rId26"/>
-    </p:embeddedFont>
-    <p:embeddedFont>
-      <p:font typeface="Raleway" panose="020B0604020202020204" charset="0"/>
-      <p:regular r:id="rId27"/>
-      <p:bold r:id="rId28"/>
-      <p:italic r:id="rId29"/>
-      <p:boldItalic r:id="rId30"/>
     </p:embeddedFont>
   </p:embeddedFontLst>
   <p:defaultTextStyle>
@@ -1201,14 +1194,9 @@
               <a:buNone/>
             </a:pPr>
             <a:r>
-              <a:rPr lang="en-US" dirty="0"/>
-              <a:t>cd </a:t>
+              <a:rPr lang="en-US"/>
+              <a:t>cd vob</a:t>
             </a:r>
-            <a:r>
-              <a:rPr lang="en-US" dirty="0" err="1"/>
-              <a:t>vob</a:t>
-            </a:r>
-            <a:endParaRPr lang="en-US" dirty="0"/>
           </a:p>
           <a:p>
             <a:pPr marL="0" marR="0" lvl="0" indent="0" algn="l" rtl="0">
@@ -1229,14 +1217,9 @@
               <a:buNone/>
             </a:pPr>
             <a:r>
-              <a:rPr lang="en-US" dirty="0"/>
-              <a:t>truffle </a:t>
+              <a:rPr lang="en-US"/>
+              <a:t>truffle init</a:t>
             </a:r>
-            <a:r>
-              <a:rPr lang="en-US" dirty="0" err="1"/>
-              <a:t>init</a:t>
-            </a:r>
-            <a:endParaRPr lang="en-US" dirty="0"/>
           </a:p>
           <a:p>
             <a:pPr marL="0" marR="0" lvl="0" indent="0" algn="l" rtl="0">
@@ -1256,7 +1239,7 @@
               <a:buFont typeface="Arial"/>
               <a:buNone/>
             </a:pPr>
-            <a:endParaRPr lang="en-US" dirty="0"/>
+            <a:endParaRPr lang="en-US"/>
           </a:p>
           <a:p>
             <a:pPr marL="0" marR="0" lvl="0" indent="0" algn="l" rtl="0">
@@ -1277,7 +1260,7 @@
               <a:buNone/>
             </a:pPr>
             <a:r>
-              <a:rPr lang="en-US" dirty="0"/>
+              <a:rPr lang="en-US"/>
               <a:t>ng new web</a:t>
             </a:r>
           </a:p>
@@ -1299,7 +1282,7 @@
               <a:buFont typeface="Arial"/>
               <a:buNone/>
             </a:pPr>
-            <a:endParaRPr lang="en-US" dirty="0"/>
+            <a:endParaRPr lang="en-US"/>
           </a:p>
           <a:p>
             <a:pPr marL="0" marR="0" lvl="0" indent="0" algn="l" rtl="0">
@@ -1450,168 +1433,6 @@
               <a:buFont typeface="Arial"/>
               <a:buNone/>
             </a:pPr>
-            <a:r>
-              <a:rPr lang="en-US" dirty="0" err="1"/>
-              <a:t>mkdir</a:t>
-            </a:r>
-            <a:r>
-              <a:rPr lang="en-US" dirty="0"/>
-              <a:t> blockchain</a:t>
-            </a:r>
-          </a:p>
-          <a:p>
-            <a:pPr marL="0" marR="0" lvl="0" indent="0" algn="l" rtl="0">
-              <a:lnSpc>
-                <a:spcPct val="100000"/>
-              </a:lnSpc>
-              <a:spcBef>
-                <a:spcPts val="0"/>
-              </a:spcBef>
-              <a:spcAft>
-                <a:spcPts val="0"/>
-              </a:spcAft>
-              <a:buClr>
-                <a:srgbClr val="000000"/>
-              </a:buClr>
-              <a:buSzPts val="1100"/>
-              <a:buFont typeface="Arial"/>
-              <a:buNone/>
-            </a:pPr>
-            <a:r>
-              <a:rPr lang="en-US" dirty="0"/>
-              <a:t>cd blockchain</a:t>
-            </a:r>
-          </a:p>
-          <a:p>
-            <a:pPr marL="0" marR="0" lvl="0" indent="0" algn="l" rtl="0">
-              <a:lnSpc>
-                <a:spcPct val="100000"/>
-              </a:lnSpc>
-              <a:spcBef>
-                <a:spcPts val="0"/>
-              </a:spcBef>
-              <a:spcAft>
-                <a:spcPts val="0"/>
-              </a:spcAft>
-              <a:buClr>
-                <a:srgbClr val="000000"/>
-              </a:buClr>
-              <a:buSzPts val="1100"/>
-              <a:buFont typeface="Arial"/>
-              <a:buNone/>
-            </a:pPr>
-            <a:r>
-              <a:rPr lang="en-US" dirty="0"/>
-              <a:t>truffle </a:t>
-            </a:r>
-            <a:r>
-              <a:rPr lang="en-US" dirty="0" err="1"/>
-              <a:t>init</a:t>
-            </a:r>
-            <a:endParaRPr lang="en-US" dirty="0"/>
-          </a:p>
-          <a:p>
-            <a:pPr marL="0" marR="0" lvl="0" indent="0" algn="l" rtl="0">
-              <a:lnSpc>
-                <a:spcPct val="100000"/>
-              </a:lnSpc>
-              <a:spcBef>
-                <a:spcPts val="0"/>
-              </a:spcBef>
-              <a:spcAft>
-                <a:spcPts val="0"/>
-              </a:spcAft>
-              <a:buClr>
-                <a:srgbClr val="000000"/>
-              </a:buClr>
-              <a:buSzPts val="1100"/>
-              <a:buFont typeface="Arial"/>
-              <a:buNone/>
-            </a:pPr>
-            <a:endParaRPr lang="en-US" dirty="0"/>
-          </a:p>
-          <a:p>
-            <a:pPr marL="0" marR="0" lvl="0" indent="0" algn="l" rtl="0">
-              <a:lnSpc>
-                <a:spcPct val="100000"/>
-              </a:lnSpc>
-              <a:spcBef>
-                <a:spcPts val="0"/>
-              </a:spcBef>
-              <a:spcAft>
-                <a:spcPts val="0"/>
-              </a:spcAft>
-              <a:buClr>
-                <a:srgbClr val="000000"/>
-              </a:buClr>
-              <a:buSzPts val="1100"/>
-              <a:buFont typeface="Arial"/>
-              <a:buNone/>
-            </a:pPr>
-            <a:r>
-              <a:rPr lang="en-US" dirty="0"/>
-              <a:t>ERC20 - </a:t>
-            </a:r>
-            <a:r>
-              <a:rPr lang="en-US" sz="1100" b="0" i="0" u="none" strike="noStrike" cap="none" dirty="0">
-                <a:solidFill>
-                  <a:srgbClr val="000000"/>
-                </a:solidFill>
-                <a:effectLst/>
-                <a:latin typeface="Arial"/>
-                <a:ea typeface="Arial"/>
-                <a:cs typeface="Arial"/>
-                <a:sym typeface="Arial"/>
-              </a:rPr>
-              <a:t>common interface defining basing rules of ownership and coin transfer</a:t>
-            </a:r>
-          </a:p>
-          <a:p>
-            <a:pPr marL="0" marR="0" lvl="0" indent="0" algn="l" rtl="0">
-              <a:lnSpc>
-                <a:spcPct val="100000"/>
-              </a:lnSpc>
-              <a:spcBef>
-                <a:spcPts val="0"/>
-              </a:spcBef>
-              <a:spcAft>
-                <a:spcPts val="0"/>
-              </a:spcAft>
-              <a:buClr>
-                <a:srgbClr val="000000"/>
-              </a:buClr>
-              <a:buSzPts val="1100"/>
-              <a:buFont typeface="Arial"/>
-              <a:buNone/>
-            </a:pPr>
-            <a:endParaRPr lang="en-US" sz="1100" b="0" i="0" u="none" strike="noStrike" cap="none" dirty="0">
-              <a:solidFill>
-                <a:srgbClr val="000000"/>
-              </a:solidFill>
-              <a:effectLst/>
-              <a:latin typeface="Arial"/>
-              <a:cs typeface="Arial"/>
-              <a:sym typeface="Arial"/>
-            </a:endParaRPr>
-          </a:p>
-          <a:p>
-            <a:pPr marL="0" marR="0" lvl="0" indent="0" algn="l" rtl="0">
-              <a:lnSpc>
-                <a:spcPct val="100000"/>
-              </a:lnSpc>
-              <a:spcBef>
-                <a:spcPts val="0"/>
-              </a:spcBef>
-              <a:spcAft>
-                <a:spcPts val="0"/>
-              </a:spcAft>
-              <a:buClr>
-                <a:srgbClr val="000000"/>
-              </a:buClr>
-              <a:buSzPts val="1100"/>
-              <a:buFont typeface="Arial"/>
-              <a:buNone/>
-            </a:pPr>
             <a:endParaRPr lang="en-US" dirty="0"/>
           </a:p>
         </p:txBody>
@@ -1725,125 +1546,6 @@
             <a:noAutofit/>
           </a:bodyPr>
           <a:lstStyle/>
-          <a:p>
-            <a:pPr marL="0" marR="0" lvl="0" indent="0" algn="l" rtl="0">
-              <a:lnSpc>
-                <a:spcPct val="100000"/>
-              </a:lnSpc>
-              <a:spcBef>
-                <a:spcPts val="0"/>
-              </a:spcBef>
-              <a:spcAft>
-                <a:spcPts val="0"/>
-              </a:spcAft>
-              <a:buClr>
-                <a:srgbClr val="000000"/>
-              </a:buClr>
-              <a:buSzPts val="1100"/>
-              <a:buFont typeface="Arial"/>
-              <a:buNone/>
-            </a:pPr>
-            <a:r>
-              <a:rPr lang="en-US" dirty="0"/>
-              <a:t>cd </a:t>
-            </a:r>
-            <a:r>
-              <a:rPr lang="en-US" dirty="0" err="1"/>
-              <a:t>vob</a:t>
-            </a:r>
-            <a:endParaRPr lang="en-US" dirty="0"/>
-          </a:p>
-          <a:p>
-            <a:pPr marL="0" marR="0" lvl="0" indent="0" algn="l" rtl="0">
-              <a:lnSpc>
-                <a:spcPct val="100000"/>
-              </a:lnSpc>
-              <a:spcBef>
-                <a:spcPts val="0"/>
-              </a:spcBef>
-              <a:spcAft>
-                <a:spcPts val="0"/>
-              </a:spcAft>
-              <a:buClr>
-                <a:srgbClr val="000000"/>
-              </a:buClr>
-              <a:buSzPts val="1100"/>
-              <a:buFont typeface="Arial"/>
-              <a:buNone/>
-            </a:pPr>
-            <a:r>
-              <a:rPr lang="en-US" dirty="0"/>
-              <a:t>truffle </a:t>
-            </a:r>
-            <a:r>
-              <a:rPr lang="en-US" dirty="0" err="1"/>
-              <a:t>init</a:t>
-            </a:r>
-            <a:endParaRPr lang="en-US" dirty="0"/>
-          </a:p>
-          <a:p>
-            <a:pPr marL="0" marR="0" lvl="0" indent="0" algn="l" rtl="0">
-              <a:lnSpc>
-                <a:spcPct val="100000"/>
-              </a:lnSpc>
-              <a:spcBef>
-                <a:spcPts val="0"/>
-              </a:spcBef>
-              <a:spcAft>
-                <a:spcPts val="0"/>
-              </a:spcAft>
-              <a:buClr>
-                <a:srgbClr val="000000"/>
-              </a:buClr>
-              <a:buSzPts val="1100"/>
-              <a:buFont typeface="Arial"/>
-              <a:buNone/>
-            </a:pPr>
-            <a:endParaRPr lang="en-US" dirty="0"/>
-          </a:p>
-          <a:p>
-            <a:pPr marL="0" marR="0" lvl="0" indent="0" algn="l" rtl="0">
-              <a:lnSpc>
-                <a:spcPct val="100000"/>
-              </a:lnSpc>
-              <a:spcBef>
-                <a:spcPts val="0"/>
-              </a:spcBef>
-              <a:spcAft>
-                <a:spcPts val="0"/>
-              </a:spcAft>
-              <a:buClr>
-                <a:srgbClr val="000000"/>
-              </a:buClr>
-              <a:buSzPts val="1100"/>
-              <a:buFont typeface="Arial"/>
-              <a:buNone/>
-            </a:pPr>
-            <a:r>
-              <a:rPr lang="en-US" dirty="0"/>
-              <a:t>ng new web</a:t>
-            </a:r>
-          </a:p>
-          <a:p>
-            <a:pPr marL="0" marR="0" lvl="0" indent="0" algn="l" rtl="0">
-              <a:lnSpc>
-                <a:spcPct val="100000"/>
-              </a:lnSpc>
-              <a:spcBef>
-                <a:spcPts val="0"/>
-              </a:spcBef>
-              <a:spcAft>
-                <a:spcPts val="0"/>
-              </a:spcAft>
-              <a:buClr>
-                <a:srgbClr val="000000"/>
-              </a:buClr>
-              <a:buSzPts val="1100"/>
-              <a:buFont typeface="Arial"/>
-              <a:buNone/>
-            </a:pPr>
-            <a:endParaRPr lang="en-US" dirty="0"/>
-          </a:p>
           <a:p>
             <a:pPr marL="0" marR="0" lvl="0" indent="0" algn="l" rtl="0">
               <a:lnSpc>
@@ -1993,125 +1695,6 @@
               <a:buFont typeface="Arial"/>
               <a:buNone/>
             </a:pPr>
-            <a:r>
-              <a:rPr lang="en-US" dirty="0"/>
-              <a:t>cd </a:t>
-            </a:r>
-            <a:r>
-              <a:rPr lang="en-US" dirty="0" err="1"/>
-              <a:t>vob</a:t>
-            </a:r>
-            <a:endParaRPr lang="en-US" dirty="0"/>
-          </a:p>
-          <a:p>
-            <a:pPr marL="0" marR="0" lvl="0" indent="0" algn="l" rtl="0">
-              <a:lnSpc>
-                <a:spcPct val="100000"/>
-              </a:lnSpc>
-              <a:spcBef>
-                <a:spcPts val="0"/>
-              </a:spcBef>
-              <a:spcAft>
-                <a:spcPts val="0"/>
-              </a:spcAft>
-              <a:buClr>
-                <a:srgbClr val="000000"/>
-              </a:buClr>
-              <a:buSzPts val="1100"/>
-              <a:buFont typeface="Arial"/>
-              <a:buNone/>
-            </a:pPr>
-            <a:r>
-              <a:rPr lang="en-US" dirty="0"/>
-              <a:t>truffle </a:t>
-            </a:r>
-            <a:r>
-              <a:rPr lang="en-US" dirty="0" err="1"/>
-              <a:t>init</a:t>
-            </a:r>
-            <a:endParaRPr lang="en-US" dirty="0"/>
-          </a:p>
-          <a:p>
-            <a:pPr marL="0" marR="0" lvl="0" indent="0" algn="l" rtl="0">
-              <a:lnSpc>
-                <a:spcPct val="100000"/>
-              </a:lnSpc>
-              <a:spcBef>
-                <a:spcPts val="0"/>
-              </a:spcBef>
-              <a:spcAft>
-                <a:spcPts val="0"/>
-              </a:spcAft>
-              <a:buClr>
-                <a:srgbClr val="000000"/>
-              </a:buClr>
-              <a:buSzPts val="1100"/>
-              <a:buFont typeface="Arial"/>
-              <a:buNone/>
-            </a:pPr>
-            <a:endParaRPr lang="en-US" dirty="0"/>
-          </a:p>
-          <a:p>
-            <a:pPr marL="0" marR="0" lvl="0" indent="0" algn="l" rtl="0">
-              <a:lnSpc>
-                <a:spcPct val="100000"/>
-              </a:lnSpc>
-              <a:spcBef>
-                <a:spcPts val="0"/>
-              </a:spcBef>
-              <a:spcAft>
-                <a:spcPts val="0"/>
-              </a:spcAft>
-              <a:buClr>
-                <a:srgbClr val="000000"/>
-              </a:buClr>
-              <a:buSzPts val="1100"/>
-              <a:buFont typeface="Arial"/>
-              <a:buNone/>
-            </a:pPr>
-            <a:r>
-              <a:rPr lang="en-US" dirty="0"/>
-              <a:t>ng new web</a:t>
-            </a:r>
-          </a:p>
-          <a:p>
-            <a:pPr marL="0" marR="0" lvl="0" indent="0" algn="l" rtl="0">
-              <a:lnSpc>
-                <a:spcPct val="100000"/>
-              </a:lnSpc>
-              <a:spcBef>
-                <a:spcPts val="0"/>
-              </a:spcBef>
-              <a:spcAft>
-                <a:spcPts val="0"/>
-              </a:spcAft>
-              <a:buClr>
-                <a:srgbClr val="000000"/>
-              </a:buClr>
-              <a:buSzPts val="1100"/>
-              <a:buFont typeface="Arial"/>
-              <a:buNone/>
-            </a:pPr>
-            <a:endParaRPr lang="en-US" dirty="0"/>
-          </a:p>
-          <a:p>
-            <a:pPr marL="0" marR="0" lvl="0" indent="0" algn="l" rtl="0">
-              <a:lnSpc>
-                <a:spcPct val="100000"/>
-              </a:lnSpc>
-              <a:spcBef>
-                <a:spcPts val="0"/>
-              </a:spcBef>
-              <a:spcAft>
-                <a:spcPts val="0"/>
-              </a:spcAft>
-              <a:buClr>
-                <a:srgbClr val="000000"/>
-              </a:buClr>
-              <a:buSzPts val="1100"/>
-              <a:buFont typeface="Arial"/>
-              <a:buNone/>
-            </a:pPr>
             <a:endParaRPr dirty="0"/>
           </a:p>
         </p:txBody>
@@ -2225,105 +1808,6 @@
             <a:noAutofit/>
           </a:bodyPr>
           <a:lstStyle/>
-          <a:p>
-            <a:pPr marL="0" marR="0" lvl="0" indent="0" algn="l" rtl="0">
-              <a:lnSpc>
-                <a:spcPct val="100000"/>
-              </a:lnSpc>
-              <a:spcBef>
-                <a:spcPts val="0"/>
-              </a:spcBef>
-              <a:spcAft>
-                <a:spcPts val="0"/>
-              </a:spcAft>
-              <a:buClr>
-                <a:srgbClr val="000000"/>
-              </a:buClr>
-              <a:buSzPts val="1100"/>
-              <a:buFont typeface="Arial"/>
-              <a:buNone/>
-            </a:pPr>
-            <a:r>
-              <a:rPr lang="en-US" dirty="0"/>
-              <a:t>cd </a:t>
-            </a:r>
-            <a:r>
-              <a:rPr lang="en-US" dirty="0" err="1"/>
-              <a:t>vob</a:t>
-            </a:r>
-            <a:endParaRPr lang="en-US" dirty="0"/>
-          </a:p>
-          <a:p>
-            <a:pPr marL="0" marR="0" lvl="0" indent="0" algn="l" rtl="0">
-              <a:lnSpc>
-                <a:spcPct val="100000"/>
-              </a:lnSpc>
-              <a:spcBef>
-                <a:spcPts val="0"/>
-              </a:spcBef>
-              <a:spcAft>
-                <a:spcPts val="0"/>
-              </a:spcAft>
-              <a:buClr>
-                <a:srgbClr val="000000"/>
-              </a:buClr>
-              <a:buSzPts val="1100"/>
-              <a:buFont typeface="Arial"/>
-              <a:buNone/>
-            </a:pPr>
-            <a:r>
-              <a:rPr lang="en-US" dirty="0"/>
-              <a:t>truffle </a:t>
-            </a:r>
-            <a:r>
-              <a:rPr lang="en-US" dirty="0" err="1"/>
-              <a:t>init</a:t>
-            </a:r>
-            <a:endParaRPr lang="en-US" dirty="0"/>
-          </a:p>
-          <a:p>
-            <a:pPr marL="0" marR="0" lvl="0" indent="0" algn="l" rtl="0">
-              <a:lnSpc>
-                <a:spcPct val="100000"/>
-              </a:lnSpc>
-              <a:spcBef>
-                <a:spcPts val="0"/>
-              </a:spcBef>
-              <a:spcAft>
-                <a:spcPts val="0"/>
-              </a:spcAft>
-              <a:buClr>
-                <a:srgbClr val="000000"/>
-              </a:buClr>
-              <a:buSzPts val="1100"/>
-              <a:buFont typeface="Arial"/>
-              <a:buNone/>
-            </a:pPr>
-            <a:endParaRPr lang="en-US" dirty="0"/>
-          </a:p>
-          <a:p>
-            <a:pPr marL="0" marR="0" lvl="0" indent="0" algn="l" rtl="0">
-              <a:lnSpc>
-                <a:spcPct val="100000"/>
-              </a:lnSpc>
-              <a:spcBef>
-                <a:spcPts val="0"/>
-              </a:spcBef>
-              <a:spcAft>
-                <a:spcPts val="0"/>
-              </a:spcAft>
-              <a:buClr>
-                <a:srgbClr val="000000"/>
-              </a:buClr>
-              <a:buSzPts val="1100"/>
-              <a:buFont typeface="Arial"/>
-              <a:buNone/>
-            </a:pPr>
-            <a:r>
-              <a:rPr lang="en-US" dirty="0"/>
-              <a:t>ng new web</a:t>
-            </a:r>
-          </a:p>
           <a:p>
             <a:pPr marL="0" marR="0" lvl="0" indent="0" algn="l" rtl="0">
               <a:lnSpc>
@@ -2490,19 +1974,7 @@
               <a:buFont typeface="Arial"/>
               <a:buNone/>
             </a:pPr>
-            <a:r>
-              <a:rPr lang="en" sz="1200">
-                <a:solidFill>
-                  <a:schemeClr val="dk1"/>
-                </a:solidFill>
-                <a:latin typeface="Calibri"/>
-                <a:ea typeface="Calibri"/>
-                <a:cs typeface="Calibri"/>
-                <a:sym typeface="Calibri"/>
-              </a:rPr>
-              <a:t>This would conclude our presentation. We are happy to set up a one-on-one meetings with you where we can answer any specific questions, share the financials and term sheet.</a:t>
-            </a:r>
-            <a:endParaRPr/>
+            <a:endParaRPr dirty="0"/>
           </a:p>
         </p:txBody>
       </p:sp>
@@ -2602,24 +2074,6 @@
           <a:lstStyle/>
           <a:p>
             <a:pPr fontAlgn="base"/>
-            <a:r>
-              <a:rPr lang="en-US" sz="1100" b="0" i="0" u="none" strike="noStrike" cap="none" dirty="0">
-                <a:solidFill>
-                  <a:srgbClr val="000000"/>
-                </a:solidFill>
-                <a:effectLst/>
-                <a:latin typeface="Arial"/>
-                <a:ea typeface="Arial"/>
-                <a:cs typeface="Arial"/>
-                <a:sym typeface="Arial"/>
-              </a:rPr>
-              <a:t>These records can take any form, from monetary payments, to the transfer of real estate from one individual to another. There are a few properties though that make blockchain truly special and unlike any other database that has come before it. Traditional databases are centralized, while blockchain is a decentralized network where no single entity owns the database. Instead it is spread across thousands of machines, a network open to participation by anyone with an internet connection. Another beautiful property is that the ability to make a new transaction is secured by unbreakable encryption and any individual in the world can create their own special key to do so. The consensus mechanism embedded in blockchain protocols ensures that no one individual, institution or government has the power to dictate which transactions are valid. Instead, the network participants each use their computing power to “vote” and come to an agreement on the network’s valid transaction state.</a:t>
-            </a:r>
-          </a:p>
-          <a:p>
-            <a:br>
-              <a:rPr lang="en-US" dirty="0"/>
-            </a:br>
             <a:endParaRPr sz="1100" b="0" i="0" u="none" strike="noStrike" cap="none" dirty="0">
               <a:solidFill>
                 <a:srgbClr val="000000"/>
@@ -2743,24 +2197,6 @@
           <a:lstStyle/>
           <a:p>
             <a:pPr fontAlgn="base"/>
-            <a:r>
-              <a:rPr lang="en-US" sz="1100" b="0" i="0" u="none" strike="noStrike" cap="none" dirty="0">
-                <a:solidFill>
-                  <a:srgbClr val="000000"/>
-                </a:solidFill>
-                <a:effectLst/>
-                <a:latin typeface="Arial"/>
-                <a:ea typeface="Arial"/>
-                <a:cs typeface="Arial"/>
-                <a:sym typeface="Arial"/>
-              </a:rPr>
-              <a:t>These records can take any form, from monetary payments, to the transfer of real estate from one individual to another. There are a few properties though that make blockchain truly special and unlike any other database that has come before it. Traditional databases are centralized, while blockchain is a decentralized network where no single entity owns the database. Instead it is spread across thousands of machines, a network open to participation by anyone with an internet connection. Another beautiful property is that the ability to make a new transaction is secured by unbreakable encryption and any individual in the world can create their own special key to do so. The consensus mechanism embedded in blockchain protocols ensures that no one individual, institution or government has the power to dictate which transactions are valid. Instead, the network participants each use their computing power to “vote” and come to an agreement on the network’s valid transaction state.</a:t>
-            </a:r>
-          </a:p>
-          <a:p>
-            <a:br>
-              <a:rPr lang="en-US" dirty="0"/>
-            </a:br>
             <a:endParaRPr sz="1100" b="0" i="0" u="none" strike="noStrike" cap="none" dirty="0">
               <a:solidFill>
                 <a:srgbClr val="000000"/>
@@ -3684,6 +3120,14 @@
               <a:buFont typeface="Arial"/>
               <a:buAutoNum type="arabicPeriod"/>
             </a:pPr>
+            <a:r>
+              <a:rPr lang="en-US" dirty="0"/>
+              <a:t>Allows you to run small programs during value </a:t>
+            </a:r>
+            <a:r>
+              <a:rPr lang="en-US" dirty="0" err="1"/>
+              <a:t>tranfers</a:t>
+            </a:r>
             <a:endParaRPr dirty="0"/>
           </a:p>
         </p:txBody>
@@ -28366,31 +27810,7 @@
                 <a:cs typeface="Poppins"/>
                 <a:sym typeface="Poppins"/>
               </a:rPr>
-              <a:t>truffle </a:t>
-            </a:r>
-            <a:r>
-              <a:rPr lang="en-US" sz="1600">
-                <a:solidFill>
-                  <a:srgbClr val="0070C0"/>
-                </a:solidFill>
-                <a:latin typeface="Poppins"/>
-                <a:ea typeface="Poppins"/>
-                <a:cs typeface="Poppins"/>
-                <a:sym typeface="Poppins"/>
-              </a:rPr>
-              <a:t>migrate  --reset --</a:t>
-            </a:r>
-            <a:r>
-              <a:rPr lang="en-US" sz="1600" dirty="0">
-                <a:solidFill>
-                  <a:srgbClr val="0070C0"/>
-                </a:solidFill>
-                <a:latin typeface="Poppins"/>
-                <a:ea typeface="Poppins"/>
-                <a:cs typeface="Poppins"/>
-                <a:sym typeface="Poppins"/>
-              </a:rPr>
-              <a:t>network </a:t>
+              <a:t>truffle migrate  --reset --network </a:t>
             </a:r>
             <a:r>
               <a:rPr lang="en-US" sz="1600" dirty="0" err="1">
